--- a/Microservices.pptx
+++ b/Microservices.pptx
@@ -16,6 +16,8 @@
     <p:sldId id="268" r:id="rId10"/>
     <p:sldId id="269" r:id="rId11"/>
     <p:sldId id="270" r:id="rId12"/>
+    <p:sldId id="271" r:id="rId13"/>
+    <p:sldId id="272" r:id="rId14"/>
   </p:sldIdLst>
   <p:sldSz cx="12192000" cy="6858000"/>
   <p:notesSz cx="6858000" cy="9144000"/>
@@ -135,7 +137,7 @@
   <pc:docChgLst>
     <pc:chgData name="Harshat B" userId="12d676d53a49875b" providerId="LiveId" clId="{C164AA76-5E52-4A5D-823B-55858E0ABDBC}"/>
     <pc:docChg chg="undo redo custSel addSld delSld modSld sldOrd">
-      <pc:chgData name="Harshat B" userId="12d676d53a49875b" providerId="LiveId" clId="{C164AA76-5E52-4A5D-823B-55858E0ABDBC}" dt="2021-07-21T04:44:24.010" v="1000" actId="20577"/>
+      <pc:chgData name="Harshat B" userId="12d676d53a49875b" providerId="LiveId" clId="{C164AA76-5E52-4A5D-823B-55858E0ABDBC}" dt="2021-07-21T17:54:56.896" v="1331" actId="255"/>
       <pc:docMkLst>
         <pc:docMk/>
       </pc:docMkLst>
@@ -585,6 +587,74 @@
           </ac:spMkLst>
         </pc:spChg>
       </pc:sldChg>
+      <pc:sldChg chg="modSp new del mod">
+        <pc:chgData name="Harshat B" userId="12d676d53a49875b" providerId="LiveId" clId="{C164AA76-5E52-4A5D-823B-55858E0ABDBC}" dt="2021-07-21T13:47:01.054" v="1036" actId="47"/>
+        <pc:sldMkLst>
+          <pc:docMk/>
+          <pc:sldMk cId="544198628" sldId="271"/>
+        </pc:sldMkLst>
+        <pc:spChg chg="mod">
+          <ac:chgData name="Harshat B" userId="12d676d53a49875b" providerId="LiveId" clId="{C164AA76-5E52-4A5D-823B-55858E0ABDBC}" dt="2021-07-21T13:46:42.562" v="1033" actId="14100"/>
+          <ac:spMkLst>
+            <pc:docMk/>
+            <pc:sldMk cId="544198628" sldId="271"/>
+            <ac:spMk id="2" creationId="{60FBBFED-45B2-49FB-AFC3-0458CD37DD4A}"/>
+          </ac:spMkLst>
+        </pc:spChg>
+      </pc:sldChg>
+      <pc:sldChg chg="modSp new mod">
+        <pc:chgData name="Harshat B" userId="12d676d53a49875b" providerId="LiveId" clId="{C164AA76-5E52-4A5D-823B-55858E0ABDBC}" dt="2021-07-21T15:51:27.502" v="1268" actId="20577"/>
+        <pc:sldMkLst>
+          <pc:docMk/>
+          <pc:sldMk cId="2082484017" sldId="271"/>
+        </pc:sldMkLst>
+        <pc:spChg chg="mod">
+          <ac:chgData name="Harshat B" userId="12d676d53a49875b" providerId="LiveId" clId="{C164AA76-5E52-4A5D-823B-55858E0ABDBC}" dt="2021-07-21T13:55:51.412" v="1101" actId="20577"/>
+          <ac:spMkLst>
+            <pc:docMk/>
+            <pc:sldMk cId="2082484017" sldId="271"/>
+            <ac:spMk id="2" creationId="{B8CBED4B-F895-4790-BFAE-9EB39FA25D87}"/>
+          </ac:spMkLst>
+        </pc:spChg>
+        <pc:spChg chg="mod">
+          <ac:chgData name="Harshat B" userId="12d676d53a49875b" providerId="LiveId" clId="{C164AA76-5E52-4A5D-823B-55858E0ABDBC}" dt="2021-07-21T15:51:27.502" v="1268" actId="20577"/>
+          <ac:spMkLst>
+            <pc:docMk/>
+            <pc:sldMk cId="2082484017" sldId="271"/>
+            <ac:spMk id="3" creationId="{C5BE0116-07CB-4631-92AC-2C55E7AFE337}"/>
+          </ac:spMkLst>
+        </pc:spChg>
+      </pc:sldChg>
+      <pc:sldChg chg="add del">
+        <pc:chgData name="Harshat B" userId="12d676d53a49875b" providerId="LiveId" clId="{C164AA76-5E52-4A5D-823B-55858E0ABDBC}" dt="2021-07-21T13:46:59.902" v="1035" actId="47"/>
+        <pc:sldMkLst>
+          <pc:docMk/>
+          <pc:sldMk cId="734675539" sldId="272"/>
+        </pc:sldMkLst>
+      </pc:sldChg>
+      <pc:sldChg chg="modSp new mod">
+        <pc:chgData name="Harshat B" userId="12d676d53a49875b" providerId="LiveId" clId="{C164AA76-5E52-4A5D-823B-55858E0ABDBC}" dt="2021-07-21T17:54:56.896" v="1331" actId="255"/>
+        <pc:sldMkLst>
+          <pc:docMk/>
+          <pc:sldMk cId="1880558632" sldId="272"/>
+        </pc:sldMkLst>
+        <pc:spChg chg="mod">
+          <ac:chgData name="Harshat B" userId="12d676d53a49875b" providerId="LiveId" clId="{C164AA76-5E52-4A5D-823B-55858E0ABDBC}" dt="2021-07-21T17:54:26.753" v="1317" actId="14100"/>
+          <ac:spMkLst>
+            <pc:docMk/>
+            <pc:sldMk cId="1880558632" sldId="272"/>
+            <ac:spMk id="2" creationId="{7E5BA050-E0C6-45B2-AEB3-7A0A148E938D}"/>
+          </ac:spMkLst>
+        </pc:spChg>
+        <pc:spChg chg="mod">
+          <ac:chgData name="Harshat B" userId="12d676d53a49875b" providerId="LiveId" clId="{C164AA76-5E52-4A5D-823B-55858E0ABDBC}" dt="2021-07-21T17:54:56.896" v="1331" actId="255"/>
+          <ac:spMkLst>
+            <pc:docMk/>
+            <pc:sldMk cId="1880558632" sldId="272"/>
+            <ac:spMk id="3" creationId="{9361D0AD-A030-4548-93CC-62CCE2E03EBD}"/>
+          </ac:spMkLst>
+        </pc:spChg>
+      </pc:sldChg>
     </pc:docChg>
   </pc:docChgLst>
 </pc:chgInfo>
@@ -4842,6 +4912,396 @@
 </p:sld>
 </file>
 
+<file path=ppt/slides/slide12.xml><?xml version="1.0" encoding="utf-8"?>
+<p:sld xmlns:a="http://schemas.openxmlformats.org/drawingml/2006/main" xmlns:r="http://schemas.openxmlformats.org/officeDocument/2006/relationships" xmlns:p="http://schemas.openxmlformats.org/presentationml/2006/main">
+  <p:cSld>
+    <p:spTree>
+      <p:nvGrpSpPr>
+        <p:cNvPr id="1" name=""/>
+        <p:cNvGrpSpPr/>
+        <p:nvPr/>
+      </p:nvGrpSpPr>
+      <p:grpSpPr>
+        <a:xfrm>
+          <a:off x="0" y="0"/>
+          <a:ext cx="0" cy="0"/>
+          <a:chOff x="0" y="0"/>
+          <a:chExt cx="0" cy="0"/>
+        </a:xfrm>
+      </p:grpSpPr>
+      <p:sp>
+        <p:nvSpPr>
+          <p:cNvPr id="2" name="Title 1">
+            <a:extLst>
+              <a:ext uri="{FF2B5EF4-FFF2-40B4-BE49-F238E27FC236}">
+                <a16:creationId xmlns:a16="http://schemas.microsoft.com/office/drawing/2014/main" id="{B8CBED4B-F895-4790-BFAE-9EB39FA25D87}"/>
+              </a:ext>
+            </a:extLst>
+          </p:cNvPr>
+          <p:cNvSpPr>
+            <a:spLocks noGrp="1"/>
+          </p:cNvSpPr>
+          <p:nvPr>
+            <p:ph type="title"/>
+          </p:nvPr>
+        </p:nvSpPr>
+        <p:spPr>
+          <a:xfrm>
+            <a:off x="838200" y="365126"/>
+            <a:ext cx="10515600" cy="586982"/>
+          </a:xfrm>
+        </p:spPr>
+        <p:txBody>
+          <a:bodyPr>
+            <a:normAutofit fontScale="90000"/>
+          </a:bodyPr>
+          <a:lstStyle/>
+          <a:p>
+            <a:r>
+              <a:rPr lang="en-IN" sz="3200" b="0" i="0" dirty="0">
+                <a:solidFill>
+                  <a:srgbClr val="000000"/>
+                </a:solidFill>
+                <a:effectLst/>
+                <a:latin typeface="+mn-lt"/>
+              </a:rPr>
+              <a:t>consume RESTful Web Services(Make a call from one service to another service)</a:t>
+            </a:r>
+            <a:endParaRPr lang="en-IN" sz="3200" dirty="0">
+              <a:latin typeface="+mn-lt"/>
+            </a:endParaRPr>
+          </a:p>
+        </p:txBody>
+      </p:sp>
+      <p:sp>
+        <p:nvSpPr>
+          <p:cNvPr id="3" name="Content Placeholder 2">
+            <a:extLst>
+              <a:ext uri="{FF2B5EF4-FFF2-40B4-BE49-F238E27FC236}">
+                <a16:creationId xmlns:a16="http://schemas.microsoft.com/office/drawing/2014/main" id="{C5BE0116-07CB-4631-92AC-2C55E7AFE337}"/>
+              </a:ext>
+            </a:extLst>
+          </p:cNvPr>
+          <p:cNvSpPr>
+            <a:spLocks noGrp="1"/>
+          </p:cNvSpPr>
+          <p:nvPr>
+            <p:ph idx="1"/>
+          </p:nvPr>
+        </p:nvSpPr>
+        <p:spPr>
+          <a:xfrm>
+            <a:off x="838200" y="1150070"/>
+            <a:ext cx="10515600" cy="5026893"/>
+          </a:xfrm>
+        </p:spPr>
+        <p:txBody>
+          <a:bodyPr>
+            <a:normAutofit/>
+          </a:bodyPr>
+          <a:lstStyle/>
+          <a:p>
+            <a:pPr marL="0" indent="0">
+              <a:buNone/>
+            </a:pPr>
+            <a:endParaRPr lang="en-US" sz="2000" b="0" i="0" dirty="0">
+              <a:solidFill>
+                <a:srgbClr val="000000"/>
+              </a:solidFill>
+              <a:effectLst/>
+              <a:latin typeface="+mj-lt"/>
+            </a:endParaRPr>
+          </a:p>
+          <a:p>
+            <a:pPr marL="0" indent="0">
+              <a:buNone/>
+            </a:pPr>
+            <a:r>
+              <a:rPr lang="en-US" sz="2000" b="0" i="0" dirty="0">
+                <a:solidFill>
+                  <a:srgbClr val="000000"/>
+                </a:solidFill>
+                <a:effectLst/>
+                <a:latin typeface="+mj-lt"/>
+              </a:rPr>
+              <a:t>Rest Template is used to create applications that consume RESTful Web Services. You can use the </a:t>
+            </a:r>
+            <a:r>
+              <a:rPr lang="en-US" sz="2000" b="1" i="0" dirty="0">
+                <a:solidFill>
+                  <a:srgbClr val="000000"/>
+                </a:solidFill>
+                <a:effectLst/>
+                <a:latin typeface="+mj-lt"/>
+              </a:rPr>
+              <a:t>exchange()</a:t>
+            </a:r>
+            <a:r>
+              <a:rPr lang="en-US" sz="2000" b="0" i="0" dirty="0">
+                <a:solidFill>
+                  <a:srgbClr val="000000"/>
+                </a:solidFill>
+                <a:effectLst/>
+                <a:latin typeface="+mj-lt"/>
+              </a:rPr>
+              <a:t> /</a:t>
+            </a:r>
+            <a:r>
+              <a:rPr lang="en-IN" sz="1800" dirty="0" err="1">
+                <a:solidFill>
+                  <a:srgbClr val="000000"/>
+                </a:solidFill>
+                <a:latin typeface="Consolas" panose="020B0609020204030204" pitchFamily="49" charset="0"/>
+              </a:rPr>
+              <a:t>getForEntity</a:t>
+            </a:r>
+            <a:r>
+              <a:rPr lang="en-IN" sz="1800" dirty="0">
+                <a:solidFill>
+                  <a:srgbClr val="000000"/>
+                </a:solidFill>
+                <a:latin typeface="Consolas" panose="020B0609020204030204" pitchFamily="49" charset="0"/>
+              </a:rPr>
+              <a:t>() </a:t>
+            </a:r>
+            <a:r>
+              <a:rPr lang="en-US" sz="2000" b="0" i="0" dirty="0">
+                <a:solidFill>
+                  <a:srgbClr val="000000"/>
+                </a:solidFill>
+                <a:effectLst/>
+                <a:latin typeface="+mj-lt"/>
+              </a:rPr>
+              <a:t>method to consume the web services for all HTTP methods.</a:t>
+            </a:r>
+          </a:p>
+          <a:p>
+            <a:pPr marL="0" indent="0">
+              <a:buNone/>
+            </a:pPr>
+            <a:r>
+              <a:rPr lang="en-US" sz="2000" dirty="0">
+                <a:solidFill>
+                  <a:srgbClr val="000000"/>
+                </a:solidFill>
+                <a:latin typeface="+mj-lt"/>
+              </a:rPr>
+              <a:t> Step 1 : Create a object for </a:t>
+            </a:r>
+            <a:r>
+              <a:rPr lang="en-IN" sz="2000" dirty="0" err="1">
+                <a:solidFill>
+                  <a:srgbClr val="000000"/>
+                </a:solidFill>
+                <a:latin typeface="+mj-lt"/>
+              </a:rPr>
+              <a:t>RestTemplate</a:t>
+            </a:r>
+            <a:endParaRPr lang="en-IN" sz="2000" dirty="0">
+              <a:solidFill>
+                <a:srgbClr val="000000"/>
+              </a:solidFill>
+              <a:latin typeface="+mj-lt"/>
+            </a:endParaRPr>
+          </a:p>
+          <a:p>
+            <a:pPr marL="0" indent="0">
+              <a:buNone/>
+            </a:pPr>
+            <a:r>
+              <a:rPr lang="en-IN" sz="2000" dirty="0">
+                <a:solidFill>
+                  <a:srgbClr val="000000"/>
+                </a:solidFill>
+                <a:latin typeface="+mj-lt"/>
+              </a:rPr>
+              <a:t> Step 2 : call </a:t>
+            </a:r>
+            <a:r>
+              <a:rPr lang="en-IN" sz="1800" dirty="0" err="1">
+                <a:solidFill>
+                  <a:srgbClr val="000000"/>
+                </a:solidFill>
+                <a:latin typeface="Consolas" panose="020B0609020204030204" pitchFamily="49" charset="0"/>
+              </a:rPr>
+              <a:t>getForEntity</a:t>
+            </a:r>
+            <a:r>
+              <a:rPr lang="en-IN" sz="1800" dirty="0">
+                <a:solidFill>
+                  <a:srgbClr val="000000"/>
+                </a:solidFill>
+                <a:latin typeface="Consolas" panose="020B0609020204030204" pitchFamily="49" charset="0"/>
+              </a:rPr>
+              <a:t> </a:t>
+            </a:r>
+            <a:r>
+              <a:rPr lang="en-IN" sz="2000" dirty="0">
+                <a:solidFill>
+                  <a:srgbClr val="000000"/>
+                </a:solidFill>
+                <a:latin typeface="+mj-lt"/>
+              </a:rPr>
+              <a:t>method on </a:t>
+            </a:r>
+            <a:r>
+              <a:rPr lang="en-IN" sz="2000" dirty="0" err="1">
+                <a:solidFill>
+                  <a:srgbClr val="000000"/>
+                </a:solidFill>
+                <a:latin typeface="+mj-lt"/>
+              </a:rPr>
+              <a:t>restTemplate</a:t>
+            </a:r>
+            <a:r>
+              <a:rPr lang="en-IN" sz="2000" dirty="0">
+                <a:solidFill>
+                  <a:srgbClr val="000000"/>
+                </a:solidFill>
+                <a:latin typeface="+mj-lt"/>
+              </a:rPr>
+              <a:t> by passing URI of the request and return type</a:t>
+            </a:r>
+            <a:endParaRPr lang="en-US" sz="2000" dirty="0">
+              <a:solidFill>
+                <a:srgbClr val="000000"/>
+              </a:solidFill>
+              <a:latin typeface="+mj-lt"/>
+            </a:endParaRPr>
+          </a:p>
+          <a:p>
+            <a:pPr marL="0" indent="0">
+              <a:buNone/>
+            </a:pPr>
+            <a:endParaRPr lang="en-US" sz="2000" dirty="0">
+              <a:solidFill>
+                <a:srgbClr val="000000"/>
+              </a:solidFill>
+              <a:latin typeface="+mj-lt"/>
+            </a:endParaRPr>
+          </a:p>
+        </p:txBody>
+      </p:sp>
+    </p:spTree>
+    <p:extLst>
+      <p:ext uri="{BB962C8B-B14F-4D97-AF65-F5344CB8AC3E}">
+        <p14:creationId xmlns:p14="http://schemas.microsoft.com/office/powerpoint/2010/main" val="2082484017"/>
+      </p:ext>
+    </p:extLst>
+  </p:cSld>
+  <p:clrMapOvr>
+    <a:masterClrMapping/>
+  </p:clrMapOvr>
+</p:sld>
+</file>
+
+<file path=ppt/slides/slide13.xml><?xml version="1.0" encoding="utf-8"?>
+<p:sld xmlns:a="http://schemas.openxmlformats.org/drawingml/2006/main" xmlns:r="http://schemas.openxmlformats.org/officeDocument/2006/relationships" xmlns:p="http://schemas.openxmlformats.org/presentationml/2006/main">
+  <p:cSld>
+    <p:spTree>
+      <p:nvGrpSpPr>
+        <p:cNvPr id="1" name=""/>
+        <p:cNvGrpSpPr/>
+        <p:nvPr/>
+      </p:nvGrpSpPr>
+      <p:grpSpPr>
+        <a:xfrm>
+          <a:off x="0" y="0"/>
+          <a:ext cx="0" cy="0"/>
+          <a:chOff x="0" y="0"/>
+          <a:chExt cx="0" cy="0"/>
+        </a:xfrm>
+      </p:grpSpPr>
+      <p:sp>
+        <p:nvSpPr>
+          <p:cNvPr id="2" name="Title 1">
+            <a:extLst>
+              <a:ext uri="{FF2B5EF4-FFF2-40B4-BE49-F238E27FC236}">
+                <a16:creationId xmlns:a16="http://schemas.microsoft.com/office/drawing/2014/main" id="{7E5BA050-E0C6-45B2-AEB3-7A0A148E938D}"/>
+              </a:ext>
+            </a:extLst>
+          </p:cNvPr>
+          <p:cNvSpPr>
+            <a:spLocks noGrp="1"/>
+          </p:cNvSpPr>
+          <p:nvPr>
+            <p:ph type="title"/>
+          </p:nvPr>
+        </p:nvSpPr>
+        <p:spPr>
+          <a:xfrm>
+            <a:off x="838200" y="365126"/>
+            <a:ext cx="10515600" cy="935774"/>
+          </a:xfrm>
+        </p:spPr>
+        <p:txBody>
+          <a:bodyPr/>
+          <a:lstStyle/>
+          <a:p>
+            <a:r>
+              <a:rPr lang="en-US" dirty="0"/>
+              <a:t>Consume Restful services using feign client</a:t>
+            </a:r>
+            <a:endParaRPr lang="en-IN" dirty="0"/>
+          </a:p>
+        </p:txBody>
+      </p:sp>
+      <p:sp>
+        <p:nvSpPr>
+          <p:cNvPr id="3" name="Content Placeholder 2">
+            <a:extLst>
+              <a:ext uri="{FF2B5EF4-FFF2-40B4-BE49-F238E27FC236}">
+                <a16:creationId xmlns:a16="http://schemas.microsoft.com/office/drawing/2014/main" id="{9361D0AD-A030-4548-93CC-62CCE2E03EBD}"/>
+              </a:ext>
+            </a:extLst>
+          </p:cNvPr>
+          <p:cNvSpPr>
+            <a:spLocks noGrp="1"/>
+          </p:cNvSpPr>
+          <p:nvPr>
+            <p:ph idx="1"/>
+          </p:nvPr>
+        </p:nvSpPr>
+        <p:spPr>
+          <a:xfrm>
+            <a:off x="838200" y="1074656"/>
+            <a:ext cx="10515600" cy="5121160"/>
+          </a:xfrm>
+        </p:spPr>
+        <p:txBody>
+          <a:bodyPr>
+            <a:normAutofit/>
+          </a:bodyPr>
+          <a:lstStyle/>
+          <a:p>
+            <a:pPr marL="0" indent="0">
+              <a:buNone/>
+            </a:pPr>
+            <a:r>
+              <a:rPr lang="en-US" sz="1800" dirty="0">
+                <a:latin typeface="+mj-lt"/>
+              </a:rPr>
+              <a:t>Step 1 : </a:t>
+            </a:r>
+            <a:endParaRPr lang="en-IN" sz="1800" dirty="0">
+              <a:latin typeface="+mj-lt"/>
+            </a:endParaRPr>
+          </a:p>
+        </p:txBody>
+      </p:sp>
+    </p:spTree>
+    <p:extLst>
+      <p:ext uri="{BB962C8B-B14F-4D97-AF65-F5344CB8AC3E}">
+        <p14:creationId xmlns:p14="http://schemas.microsoft.com/office/powerpoint/2010/main" val="1880558632"/>
+      </p:ext>
+    </p:extLst>
+  </p:cSld>
+  <p:clrMapOvr>
+    <a:masterClrMapping/>
+  </p:clrMapOvr>
+</p:sld>
+</file>
+
 <file path=ppt/slides/slide2.xml><?xml version="1.0" encoding="utf-8"?>
 <p:sld xmlns:a="http://schemas.openxmlformats.org/drawingml/2006/main" xmlns:r="http://schemas.openxmlformats.org/officeDocument/2006/relationships" xmlns:p="http://schemas.openxmlformats.org/presentationml/2006/main">
   <p:cSld>
